--- a/morea/materials/14-while-loops.pptx
+++ b/morea/materials/14-while-loops.pptx
@@ -9712,13 +9712,8 @@
           <a:p>
             <a:r>
               <a:rPr lang="en-US" sz="2400" dirty="0" smtClean="0"/>
-              <a:t>Dr. Emily </a:t>
-            </a:r>
-            <a:r>
-              <a:rPr lang="en-US" sz="2400" dirty="0" smtClean="0"/>
-              <a:t>Hill</a:t>
-            </a:r>
-            <a:endParaRPr lang="en-US" sz="2400" dirty="0" smtClean="0"/>
+              <a:t>Dr. Emily Hill</a:t>
+            </a:r>
           </a:p>
         </p:txBody>
       </p:sp>
@@ -10151,11 +10146,11 @@
   <p:clrMapOvr>
     <a:masterClrMapping/>
   </p:clrMapOvr>
-  <mc:AlternateContent xmlns:mc="http://schemas.openxmlformats.org/markup-compatibility/2006">
-    <mc:Choice xmlns:p14="http://schemas.microsoft.com/office/powerpoint/2010/main" Requires="p14">
+  <mc:AlternateContent xmlns:mc="http://schemas.openxmlformats.org/markup-compatibility/2006" xmlns:p14="http://schemas.microsoft.com/office/powerpoint/2010/main">
+    <mc:Choice Requires="p14">
       <p:transition spd="slow" p14:dur="2000"/>
     </mc:Choice>
-    <mc:Fallback>
+    <mc:Fallback xmlns="">
       <p:transition xmlns:p14="http://schemas.microsoft.com/office/powerpoint/2010/main" spd="slow"/>
     </mc:Fallback>
   </mc:AlternateContent>
@@ -11082,11 +11077,7 @@
           <a:p>
             <a:r>
               <a:rPr lang="en-US" dirty="0" smtClean="0"/>
-              <a:t>Control </a:t>
-            </a:r>
-            <a:r>
-              <a:rPr lang="en-US" dirty="0" smtClean="0"/>
-              <a:t>Flow Review</a:t>
+              <a:t>Control Flow Review</a:t>
             </a:r>
             <a:endParaRPr lang="en-US" dirty="0"/>
           </a:p>
@@ -16232,11 +16223,11 @@
   <p:clrMapOvr>
     <a:masterClrMapping/>
   </p:clrMapOvr>
-  <mc:AlternateContent xmlns:mc="http://schemas.openxmlformats.org/markup-compatibility/2006">
-    <mc:Choice xmlns:p14="http://schemas.microsoft.com/office/powerpoint/2010/main" Requires="p14">
+  <mc:AlternateContent xmlns:mc="http://schemas.openxmlformats.org/markup-compatibility/2006" xmlns:p14="http://schemas.microsoft.com/office/powerpoint/2010/main">
+    <mc:Choice Requires="p14">
       <p:transition spd="slow" p14:dur="2000"/>
     </mc:Choice>
-    <mc:Fallback>
+    <mc:Fallback xmlns="">
       <p:transition xmlns:p14="http://schemas.microsoft.com/office/powerpoint/2010/main" spd="slow"/>
     </mc:Fallback>
   </mc:AlternateContent>
@@ -16567,12 +16558,12 @@
           <a:p>
             <a:pPr lvl="1" eaLnBrk="1" hangingPunct="1"/>
             <a:r>
-              <a:rPr lang="en-US" dirty="0" smtClean="0">
+              <a:rPr lang="en-US" smtClean="0">
                 <a:latin typeface="Arial" charset="0"/>
                 <a:ea typeface="ＭＳ Ｐゴシック" charset="0"/>
                 <a:cs typeface="ＭＳ Ｐゴシック" charset="0"/>
               </a:rPr>
-              <a:t>Hold off on using to read a whole file</a:t>
+              <a:t>Use while loop</a:t>
             </a:r>
             <a:endParaRPr lang="en-US" dirty="0">
               <a:latin typeface="Arial" charset="0"/>
@@ -19790,7 +19781,7 @@
 </file>
 
 <file path=ppt/slides/slide26.xml><?xml version="1.0" encoding="utf-8"?>
-<p:sld xmlns:a="http://schemas.openxmlformats.org/drawingml/2006/main" xmlns:r="http://schemas.openxmlformats.org/officeDocument/2006/relationships" xmlns:p="http://schemas.openxmlformats.org/presentationml/2006/main">
+<p:sld xmlns:a="http://schemas.openxmlformats.org/drawingml/2006/main" xmlns:r="http://schemas.openxmlformats.org/officeDocument/2006/relationships" xmlns:p="http://schemas.openxmlformats.org/presentationml/2006/main" show="0">
   <p:cSld>
     <p:spTree>
       <p:nvGrpSpPr>
@@ -19969,11 +19960,11 @@
   <p:clrMapOvr>
     <a:masterClrMapping/>
   </p:clrMapOvr>
-  <mc:AlternateContent xmlns:mc="http://schemas.openxmlformats.org/markup-compatibility/2006" xmlns:p14="http://schemas.microsoft.com/office/powerpoint/2010/main">
-    <mc:Choice Requires="p14">
+  <mc:AlternateContent xmlns:mc="http://schemas.openxmlformats.org/markup-compatibility/2006">
+    <mc:Choice xmlns:p14="http://schemas.microsoft.com/office/powerpoint/2010/main" Requires="p14">
       <p:transition spd="slow" p14:dur="2000"/>
     </mc:Choice>
-    <mc:Fallback xmlns="">
+    <mc:Fallback>
       <p:transition xmlns:p14="http://schemas.microsoft.com/office/powerpoint/2010/main" spd="slow"/>
     </mc:Fallback>
   </mc:AlternateContent>
@@ -20161,7 +20152,7 @@
 </file>
 
 <file path=ppt/slides/slide27.xml><?xml version="1.0" encoding="utf-8"?>
-<p:sld xmlns:a="http://schemas.openxmlformats.org/drawingml/2006/main" xmlns:r="http://schemas.openxmlformats.org/officeDocument/2006/relationships" xmlns:p="http://schemas.openxmlformats.org/presentationml/2006/main">
+<p:sld xmlns:a="http://schemas.openxmlformats.org/drawingml/2006/main" xmlns:r="http://schemas.openxmlformats.org/officeDocument/2006/relationships" xmlns:p="http://schemas.openxmlformats.org/presentationml/2006/main" show="0">
   <p:cSld>
     <p:spTree>
       <p:nvGrpSpPr>
@@ -20937,11 +20928,11 @@
   <p:clrMapOvr>
     <a:masterClrMapping/>
   </p:clrMapOvr>
-  <mc:AlternateContent xmlns:mc="http://schemas.openxmlformats.org/markup-compatibility/2006" xmlns:p14="http://schemas.microsoft.com/office/powerpoint/2010/main">
-    <mc:Choice Requires="p14">
+  <mc:AlternateContent xmlns:mc="http://schemas.openxmlformats.org/markup-compatibility/2006">
+    <mc:Choice xmlns:p14="http://schemas.microsoft.com/office/powerpoint/2010/main" Requires="p14">
       <p:transition spd="slow" p14:dur="2000"/>
     </mc:Choice>
-    <mc:Fallback xmlns="">
+    <mc:Fallback>
       <p:transition xmlns:p14="http://schemas.microsoft.com/office/powerpoint/2010/main" spd="slow"/>
     </mc:Fallback>
   </mc:AlternateContent>
@@ -22425,7 +22416,7 @@
         <p:spPr>
           <a:xfrm>
             <a:off x="5486400" y="5867400"/>
-            <a:ext cx="3509194" cy="461665"/>
+            <a:ext cx="1851789" cy="369332"/>
           </a:xfrm>
           <a:prstGeom prst="rect">
             <a:avLst/>
@@ -22438,11 +22429,11 @@
           <a:lstStyle/>
           <a:p>
             <a:r>
-              <a:rPr lang="en-US" dirty="0" err="1">
+              <a:rPr lang="en-US" dirty="0" err="1" smtClean="0">
                 <a:latin typeface="Monaco"/>
                 <a:cs typeface="Monaco"/>
               </a:rPr>
-              <a:t>file_read_while.py</a:t>
+              <a:t>file_read.py</a:t>
             </a:r>
             <a:endParaRPr lang="en-US" dirty="0">
               <a:latin typeface="Monaco"/>
